--- a/HCIRA-Proj2-demo-template.pptx
+++ b/HCIRA-Proj2-demo-template.pptx
@@ -4283,47 +4283,11 @@
                   <a:srgbClr val="FF0000"/>
                 </a:solidFill>
               </a:rPr>
-              <a:t>[add a graph like Fig 9(a), with one or two lines: (a) one for your replication of any previously published tests of the algorithm you tested on the same dataset, and/or (b) one for your own dataset (collected either in Project #1 or Project #2), with number of training examples on the x-axis and accuracy on the y-axis – include a legend!]</a:t>
-            </a:r>
-          </a:p>
-        </p:txBody>
-      </p:sp>
-      <p:pic>
-        <p:nvPicPr>
-          <p:cNvPr id="4" name="Picture 3" descr="Chart, line chart&#10;&#10;Description automatically generated">
-            <a:extLst>
-              <a:ext uri="{FF2B5EF4-FFF2-40B4-BE49-F238E27FC236}">
-                <a16:creationId xmlns:a16="http://schemas.microsoft.com/office/drawing/2014/main" id="{A23C41AE-D4B8-4DD9-8713-7CC2CD3A7B9E}"/>
-              </a:ext>
-            </a:extLst>
-          </p:cNvPr>
-          <p:cNvPicPr>
-            <a:picLocks noChangeAspect="1"/>
-          </p:cNvPicPr>
-          <p:nvPr/>
-        </p:nvPicPr>
-        <p:blipFill>
-          <a:blip r:embed="rId2">
-            <a:extLst>
-              <a:ext uri="{28A0092B-C50C-407E-A947-70E740481C1C}">
-                <a14:useLocalDpi xmlns:a14="http://schemas.microsoft.com/office/drawing/2010/main" val="0"/>
-              </a:ext>
-            </a:extLst>
-          </a:blip>
-          <a:stretch>
-            <a:fillRect/>
-          </a:stretch>
-        </p:blipFill>
-        <p:spPr>
-          <a:xfrm>
-            <a:off x="838199" y="1825625"/>
-            <a:ext cx="4360101" cy="4137554"/>
-          </a:xfrm>
-          <a:prstGeom prst="rect">
-            <a:avLst/>
-          </a:prstGeom>
-        </p:spPr>
-      </p:pic>
+              <a:t>[add a graph like Fig 5(a), with one or two lines: (a) one for your replication of any previously published tests of the algorithm you tested on the same dataset, and/or (b) one for your own dataset (collected either in Project #1 or Project #2), with number of training examples on the x-axis and accuracy on the y-axis – include a legend!]</a:t>
+            </a:r>
+          </a:p>
+        </p:txBody>
+      </p:sp>
       <p:sp>
         <p:nvSpPr>
           <p:cNvPr id="5" name="TextBox 4">
@@ -4339,7 +4303,7 @@
         <p:spPr>
           <a:xfrm>
             <a:off x="1726228" y="5992297"/>
-            <a:ext cx="2615844" cy="369332"/>
+            <a:ext cx="2645276" cy="369332"/>
           </a:xfrm>
           <a:prstGeom prst="rect">
             <a:avLst/>
@@ -4354,7 +4318,7 @@
           <a:p>
             <a:r>
               <a:rPr lang="en-US" b="1" i="1" dirty="0"/>
-              <a:t>Figure 9(a) from $1 paper</a:t>
+              <a:t>Figure 5(a) from $P paper</a:t>
             </a:r>
           </a:p>
         </p:txBody>
@@ -4398,102 +4362,42 @@
           </a:p>
         </p:txBody>
       </p:sp>
-      <p:sp>
-        <p:nvSpPr>
-          <p:cNvPr id="8" name="TextBox 7">
-            <a:extLst>
-              <a:ext uri="{FF2B5EF4-FFF2-40B4-BE49-F238E27FC236}">
-                <a16:creationId xmlns:a16="http://schemas.microsoft.com/office/drawing/2014/main" id="{0ADC2797-9DC1-4FBF-AC25-0E9402188297}"/>
-              </a:ext>
-            </a:extLst>
-          </p:cNvPr>
-          <p:cNvSpPr txBox="1"/>
+      <p:pic>
+        <p:nvPicPr>
+          <p:cNvPr id="10" name="Picture 9" descr="Chart&#10;&#10;Description automatically generated">
+            <a:extLst>
+              <a:ext uri="{FF2B5EF4-FFF2-40B4-BE49-F238E27FC236}">
+                <a16:creationId xmlns:a16="http://schemas.microsoft.com/office/drawing/2014/main" id="{AC1A9EBF-82F0-1DC5-D164-219037FAA336}"/>
+              </a:ext>
+            </a:extLst>
+          </p:cNvPr>
+          <p:cNvPicPr>
+            <a:picLocks noChangeAspect="1"/>
+          </p:cNvPicPr>
           <p:nvPr/>
-        </p:nvSpPr>
+        </p:nvPicPr>
+        <p:blipFill>
+          <a:blip r:embed="rId2">
+            <a:extLst>
+              <a:ext uri="{28A0092B-C50C-407E-A947-70E740481C1C}">
+                <a14:useLocalDpi xmlns:a14="http://schemas.microsoft.com/office/drawing/2010/main" val="0"/>
+              </a:ext>
+            </a:extLst>
+          </a:blip>
+          <a:stretch>
+            <a:fillRect/>
+          </a:stretch>
+        </p:blipFill>
         <p:spPr>
           <a:xfrm>
-            <a:off x="0" y="6224985"/>
-            <a:ext cx="12199302" cy="646331"/>
+            <a:off x="666750" y="1581808"/>
+            <a:ext cx="5077534" cy="4220164"/>
           </a:xfrm>
           <a:prstGeom prst="rect">
             <a:avLst/>
           </a:prstGeom>
-          <a:noFill/>
         </p:spPr>
-        <p:txBody>
-          <a:bodyPr wrap="none" rtlCol="0">
-            <a:spAutoFit/>
-          </a:bodyPr>
-          <a:lstStyle/>
-          <a:p>
-            <a:r>
-              <a:rPr lang="en-US" i="1" dirty="0">
-                <a:solidFill>
-                  <a:srgbClr val="FF0000"/>
-                </a:solidFill>
-              </a:rPr>
-              <a:t>[erase these when done]</a:t>
-            </a:r>
-          </a:p>
-          <a:p>
-            <a:r>
-              <a:rPr lang="en-US" i="1" dirty="0">
-                <a:solidFill>
-                  <a:srgbClr val="FF0000"/>
-                </a:solidFill>
-              </a:rPr>
-              <a:t>*note: if you revised an algorithm, implemented a new algorithm, or support different gesture types, you will need to include this</a:t>
-            </a:r>
-          </a:p>
-        </p:txBody>
-      </p:sp>
-      <p:sp>
-        <p:nvSpPr>
-          <p:cNvPr id="9" name="TextBox 8">
-            <a:extLst>
-              <a:ext uri="{FF2B5EF4-FFF2-40B4-BE49-F238E27FC236}">
-                <a16:creationId xmlns:a16="http://schemas.microsoft.com/office/drawing/2014/main" id="{E62E11D3-F3FC-4482-B748-1C1D772F49CE}"/>
-              </a:ext>
-            </a:extLst>
-          </p:cNvPr>
-          <p:cNvSpPr txBox="1"/>
-          <p:nvPr/>
-        </p:nvSpPr>
-        <p:spPr>
-          <a:xfrm>
-            <a:off x="658950" y="3105834"/>
-            <a:ext cx="4865028" cy="646331"/>
-          </a:xfrm>
-          <a:prstGeom prst="rect">
-            <a:avLst/>
-          </a:prstGeom>
-          <a:solidFill>
-            <a:schemeClr val="bg1"/>
-          </a:solidFill>
-          <a:ln>
-            <a:solidFill>
-              <a:srgbClr val="FF0000"/>
-            </a:solidFill>
-          </a:ln>
-        </p:spPr>
-        <p:txBody>
-          <a:bodyPr wrap="square" rtlCol="0">
-            <a:spAutoFit/>
-          </a:bodyPr>
-          <a:lstStyle/>
-          <a:p>
-            <a:pPr algn="ctr"/>
-            <a:r>
-              <a:rPr lang="en-US" b="1" i="1" dirty="0">
-                <a:solidFill>
-                  <a:srgbClr val="FF0000"/>
-                </a:solidFill>
-              </a:rPr>
-              <a:t>[this graph should be replaced with the relevant published graph for your algorithm/dataset]</a:t>
-            </a:r>
-          </a:p>
-        </p:txBody>
-      </p:sp>
+      </p:pic>
     </p:spTree>
     <p:extLst>
       <p:ext uri="{BB962C8B-B14F-4D97-AF65-F5344CB8AC3E}">

--- a/HCIRA-Proj2-demo-template.pptx
+++ b/HCIRA-Proj2-demo-template.pptx
@@ -204,7 +204,7 @@
           <a:p>
             <a:fld id="{F99E8A9B-F2C7-4BA5-B4D9-71E77B3A3DA5}" type="datetimeFigureOut">
               <a:rPr lang="en-US" smtClean="0"/>
-              <a:t>4/17/2023</a:t>
+              <a:t>4/20/2023</a:t>
             </a:fld>
             <a:endParaRPr lang="en-US"/>
           </a:p>
@@ -702,7 +702,7 @@
           <a:p>
             <a:fld id="{DF99C35E-6FEB-42E2-8CE3-D1A386C3EB3E}" type="datetimeFigureOut">
               <a:rPr lang="en-US" smtClean="0"/>
-              <a:t>4/17/2023</a:t>
+              <a:t>4/20/2023</a:t>
             </a:fld>
             <a:endParaRPr lang="en-US"/>
           </a:p>
@@ -900,7 +900,7 @@
           <a:p>
             <a:fld id="{DF99C35E-6FEB-42E2-8CE3-D1A386C3EB3E}" type="datetimeFigureOut">
               <a:rPr lang="en-US" smtClean="0"/>
-              <a:t>4/17/2023</a:t>
+              <a:t>4/20/2023</a:t>
             </a:fld>
             <a:endParaRPr lang="en-US"/>
           </a:p>
@@ -1108,7 +1108,7 @@
           <a:p>
             <a:fld id="{DF99C35E-6FEB-42E2-8CE3-D1A386C3EB3E}" type="datetimeFigureOut">
               <a:rPr lang="en-US" smtClean="0"/>
-              <a:t>4/17/2023</a:t>
+              <a:t>4/20/2023</a:t>
             </a:fld>
             <a:endParaRPr lang="en-US"/>
           </a:p>
@@ -1306,7 +1306,7 @@
           <a:p>
             <a:fld id="{DF99C35E-6FEB-42E2-8CE3-D1A386C3EB3E}" type="datetimeFigureOut">
               <a:rPr lang="en-US" smtClean="0"/>
-              <a:t>4/17/2023</a:t>
+              <a:t>4/20/2023</a:t>
             </a:fld>
             <a:endParaRPr lang="en-US"/>
           </a:p>
@@ -1581,7 +1581,7 @@
           <a:p>
             <a:fld id="{DF99C35E-6FEB-42E2-8CE3-D1A386C3EB3E}" type="datetimeFigureOut">
               <a:rPr lang="en-US" smtClean="0"/>
-              <a:t>4/17/2023</a:t>
+              <a:t>4/20/2023</a:t>
             </a:fld>
             <a:endParaRPr lang="en-US"/>
           </a:p>
@@ -1846,7 +1846,7 @@
           <a:p>
             <a:fld id="{DF99C35E-6FEB-42E2-8CE3-D1A386C3EB3E}" type="datetimeFigureOut">
               <a:rPr lang="en-US" smtClean="0"/>
-              <a:t>4/17/2023</a:t>
+              <a:t>4/20/2023</a:t>
             </a:fld>
             <a:endParaRPr lang="en-US"/>
           </a:p>
@@ -2258,7 +2258,7 @@
           <a:p>
             <a:fld id="{DF99C35E-6FEB-42E2-8CE3-D1A386C3EB3E}" type="datetimeFigureOut">
               <a:rPr lang="en-US" smtClean="0"/>
-              <a:t>4/17/2023</a:t>
+              <a:t>4/20/2023</a:t>
             </a:fld>
             <a:endParaRPr lang="en-US"/>
           </a:p>
@@ -2399,7 +2399,7 @@
           <a:p>
             <a:fld id="{DF99C35E-6FEB-42E2-8CE3-D1A386C3EB3E}" type="datetimeFigureOut">
               <a:rPr lang="en-US" smtClean="0"/>
-              <a:t>4/17/2023</a:t>
+              <a:t>4/20/2023</a:t>
             </a:fld>
             <a:endParaRPr lang="en-US"/>
           </a:p>
@@ -2512,7 +2512,7 @@
           <a:p>
             <a:fld id="{DF99C35E-6FEB-42E2-8CE3-D1A386C3EB3E}" type="datetimeFigureOut">
               <a:rPr lang="en-US" smtClean="0"/>
-              <a:t>4/17/2023</a:t>
+              <a:t>4/20/2023</a:t>
             </a:fld>
             <a:endParaRPr lang="en-US"/>
           </a:p>
@@ -2823,7 +2823,7 @@
           <a:p>
             <a:fld id="{DF99C35E-6FEB-42E2-8CE3-D1A386C3EB3E}" type="datetimeFigureOut">
               <a:rPr lang="en-US" smtClean="0"/>
-              <a:t>4/17/2023</a:t>
+              <a:t>4/20/2023</a:t>
             </a:fld>
             <a:endParaRPr lang="en-US"/>
           </a:p>
@@ -3111,7 +3111,7 @@
           <a:p>
             <a:fld id="{DF99C35E-6FEB-42E2-8CE3-D1A386C3EB3E}" type="datetimeFigureOut">
               <a:rPr lang="en-US" smtClean="0"/>
-              <a:t>4/17/2023</a:t>
+              <a:t>4/20/2023</a:t>
             </a:fld>
             <a:endParaRPr lang="en-US"/>
           </a:p>
@@ -3352,7 +3352,7 @@
           <a:p>
             <a:fld id="{DF99C35E-6FEB-42E2-8CE3-D1A386C3EB3E}" type="datetimeFigureOut">
               <a:rPr lang="en-US" smtClean="0"/>
-              <a:t>4/17/2023</a:t>
+              <a:t>4/20/2023</a:t>
             </a:fld>
             <a:endParaRPr lang="en-US"/>
           </a:p>
@@ -4256,40 +4256,6 @@
       </p:sp>
       <p:sp>
         <p:nvSpPr>
-          <p:cNvPr id="7" name="Content Placeholder 6">
-            <a:extLst>
-              <a:ext uri="{FF2B5EF4-FFF2-40B4-BE49-F238E27FC236}">
-                <a16:creationId xmlns:a16="http://schemas.microsoft.com/office/drawing/2014/main" id="{C60B843C-991C-4FED-85EA-7DABDE980747}"/>
-              </a:ext>
-            </a:extLst>
-          </p:cNvPr>
-          <p:cNvSpPr>
-            <a:spLocks noGrp="1"/>
-          </p:cNvSpPr>
-          <p:nvPr>
-            <p:ph sz="half" idx="2"/>
-          </p:nvPr>
-        </p:nvSpPr>
-        <p:spPr/>
-        <p:txBody>
-          <a:bodyPr>
-            <a:normAutofit/>
-          </a:bodyPr>
-          <a:lstStyle/>
-          <a:p>
-            <a:r>
-              <a:rPr lang="en-US" dirty="0">
-                <a:solidFill>
-                  <a:srgbClr val="FF0000"/>
-                </a:solidFill>
-              </a:rPr>
-              <a:t>[add a graph like Fig 5(a), with one or two lines: (a) one for your replication of any previously published tests of the algorithm you tested on the same dataset, and/or (b) one for your own dataset (collected either in Project #1 or Project #2), with number of training examples on the x-axis and accuracy on the y-axis – include a legend!]</a:t>
-            </a:r>
-          </a:p>
-        </p:txBody>
-      </p:sp>
-      <p:sp>
-        <p:nvSpPr>
           <p:cNvPr id="5" name="TextBox 4">
             <a:extLst>
               <a:ext uri="{FF2B5EF4-FFF2-40B4-BE49-F238E27FC236}">
@@ -4337,8 +4303,8 @@
         </p:nvSpPr>
         <p:spPr>
           <a:xfrm>
-            <a:off x="7415132" y="5992297"/>
-            <a:ext cx="1538113" cy="369332"/>
+            <a:off x="6957932" y="5167312"/>
+            <a:ext cx="3970382" cy="369332"/>
           </a:xfrm>
           <a:prstGeom prst="rect">
             <a:avLst/>
@@ -4357,7 +4323,7 @@
                   <a:srgbClr val="FF0000"/>
                 </a:solidFill>
               </a:rPr>
-              <a:t>[your caption]</a:t>
+              <a:t>Avg Accuracy by Training Samples of $P</a:t>
             </a:r>
           </a:p>
         </p:txBody>
@@ -4392,6 +4358,42 @@
           <a:xfrm>
             <a:off x="666750" y="1581808"/>
             <a:ext cx="5077534" cy="4220164"/>
+          </a:xfrm>
+          <a:prstGeom prst="rect">
+            <a:avLst/>
+          </a:prstGeom>
+        </p:spPr>
+      </p:pic>
+      <p:pic>
+        <p:nvPicPr>
+          <p:cNvPr id="9" name="Picture 8" descr="Chart, line chart&#10;&#10;Description automatically generated">
+            <a:extLst>
+              <a:ext uri="{FF2B5EF4-FFF2-40B4-BE49-F238E27FC236}">
+                <a16:creationId xmlns:a16="http://schemas.microsoft.com/office/drawing/2014/main" id="{41E8F745-145A-06E8-DC70-FDDFAD4A5F70}"/>
+              </a:ext>
+            </a:extLst>
+          </p:cNvPr>
+          <p:cNvPicPr>
+            <a:picLocks noChangeAspect="1"/>
+          </p:cNvPicPr>
+          <p:nvPr/>
+        </p:nvPicPr>
+        <p:blipFill>
+          <a:blip r:embed="rId3">
+            <a:extLst>
+              <a:ext uri="{28A0092B-C50C-407E-A947-70E740481C1C}">
+                <a14:useLocalDpi xmlns:a14="http://schemas.microsoft.com/office/drawing/2010/main" val="0"/>
+              </a:ext>
+            </a:extLst>
+          </a:blip>
+          <a:stretch>
+            <a:fillRect/>
+          </a:stretch>
+        </p:blipFill>
+        <p:spPr>
+          <a:xfrm>
+            <a:off x="5744284" y="1690688"/>
+            <a:ext cx="6191728" cy="3435846"/>
           </a:xfrm>
           <a:prstGeom prst="rect">
             <a:avLst/>
@@ -4488,6 +4490,42 @@
           </a:p>
         </p:txBody>
       </p:sp>
+      <p:pic>
+        <p:nvPicPr>
+          <p:cNvPr id="5" name="Picture 4" descr="Chart, line chart&#10;&#10;Description automatically generated">
+            <a:extLst>
+              <a:ext uri="{FF2B5EF4-FFF2-40B4-BE49-F238E27FC236}">
+                <a16:creationId xmlns:a16="http://schemas.microsoft.com/office/drawing/2014/main" id="{9D5E1ECD-9DC5-D56C-F268-42310F002C29}"/>
+              </a:ext>
+            </a:extLst>
+          </p:cNvPr>
+          <p:cNvPicPr>
+            <a:picLocks noChangeAspect="1"/>
+          </p:cNvPicPr>
+          <p:nvPr/>
+        </p:nvPicPr>
+        <p:blipFill>
+          <a:blip r:embed="rId2">
+            <a:extLst>
+              <a:ext uri="{28A0092B-C50C-407E-A947-70E740481C1C}">
+                <a14:useLocalDpi xmlns:a14="http://schemas.microsoft.com/office/drawing/2010/main" val="0"/>
+              </a:ext>
+            </a:extLst>
+          </a:blip>
+          <a:stretch>
+            <a:fillRect/>
+          </a:stretch>
+        </p:blipFill>
+        <p:spPr>
+          <a:xfrm>
+            <a:off x="6221225" y="3669029"/>
+            <a:ext cx="5132575" cy="2722881"/>
+          </a:xfrm>
+          <a:prstGeom prst="rect">
+            <a:avLst/>
+          </a:prstGeom>
+        </p:spPr>
+      </p:pic>
     </p:spTree>
     <p:extLst>
       <p:ext uri="{BB962C8B-B14F-4D97-AF65-F5344CB8AC3E}">
@@ -4663,7 +4701,49 @@
                   <a:srgbClr val="FF0000"/>
                 </a:solidFill>
               </a:rPr>
-              <a:t>[from your proposal: what did you think the outcome of your proposed extension would be? (e.g., recognition accuracy, user behavior, etc</a:t>
+              <a:t>We predicted that the $P algorithm would perform worse recognizing </a:t>
+            </a:r>
+            <a:r>
+              <a:rPr lang="en-US" dirty="0" err="1">
+                <a:solidFill>
+                  <a:srgbClr val="FF0000"/>
+                </a:solidFill>
+              </a:rPr>
+              <a:t>unistroke</a:t>
+            </a:r>
+            <a:r>
+              <a:rPr lang="en-US" dirty="0">
+                <a:solidFill>
+                  <a:srgbClr val="FF0000"/>
+                </a:solidFill>
+              </a:rPr>
+              <a:t> gestures because the algorithm was modified to be more robust and we theorized that those changes would sacrifice accuracy for the very specific types of gestures that $1 designed for.</a:t>
+            </a:r>
+          </a:p>
+          <a:p>
+            <a:r>
+              <a:rPr lang="en-US" dirty="0">
+                <a:solidFill>
+                  <a:srgbClr val="FF0000"/>
+                </a:solidFill>
+              </a:rPr>
+              <a:t>The results were that $P performed better than $1 on our user-collected dataset of </a:t>
+            </a:r>
+            <a:r>
+              <a:rPr lang="en-US" dirty="0" err="1">
+                <a:solidFill>
+                  <a:srgbClr val="FF0000"/>
+                </a:solidFill>
+              </a:rPr>
+              <a:t>unistrokes</a:t>
+            </a:r>
+            <a:r>
+              <a:rPr lang="en-US" dirty="0">
+                <a:solidFill>
+                  <a:srgbClr val="FF0000"/>
+                </a:solidFill>
+              </a:rPr>
+              <a:t>, which is pleasantly surprising because this implies that $P is more accurate and more robust than $1, making $P a strictly better algorithm</a:t>
             </a:r>
             <a:r>
               <a:rPr lang="en-US">
@@ -4671,16 +4751,13 @@
                   <a:srgbClr val="FF0000"/>
                 </a:solidFill>
               </a:rPr>
-              <a:t>.) and how </a:t>
-            </a:r>
-            <a:r>
-              <a:rPr lang="en-US" dirty="0">
-                <a:solidFill>
-                  <a:srgbClr val="FF0000"/>
-                </a:solidFill>
-              </a:rPr>
-              <a:t>close was your prediction?]</a:t>
-            </a:r>
+              <a:t>, performance-wise.</a:t>
+            </a:r>
+            <a:endParaRPr lang="en-US" dirty="0">
+              <a:solidFill>
+                <a:srgbClr val="FF0000"/>
+              </a:solidFill>
+            </a:endParaRPr>
           </a:p>
         </p:txBody>
       </p:sp>

--- a/HCIRA-Proj2-demo-template.pptx
+++ b/HCIRA-Proj2-demo-template.pptx
@@ -204,7 +204,7 @@
           <a:p>
             <a:fld id="{F99E8A9B-F2C7-4BA5-B4D9-71E77B3A3DA5}" type="datetimeFigureOut">
               <a:rPr lang="en-US" smtClean="0"/>
-              <a:t>4/20/2023</a:t>
+              <a:t>4/24/2023</a:t>
             </a:fld>
             <a:endParaRPr lang="en-US"/>
           </a:p>
@@ -702,7 +702,7 @@
           <a:p>
             <a:fld id="{DF99C35E-6FEB-42E2-8CE3-D1A386C3EB3E}" type="datetimeFigureOut">
               <a:rPr lang="en-US" smtClean="0"/>
-              <a:t>4/20/2023</a:t>
+              <a:t>4/24/2023</a:t>
             </a:fld>
             <a:endParaRPr lang="en-US"/>
           </a:p>
@@ -900,7 +900,7 @@
           <a:p>
             <a:fld id="{DF99C35E-6FEB-42E2-8CE3-D1A386C3EB3E}" type="datetimeFigureOut">
               <a:rPr lang="en-US" smtClean="0"/>
-              <a:t>4/20/2023</a:t>
+              <a:t>4/24/2023</a:t>
             </a:fld>
             <a:endParaRPr lang="en-US"/>
           </a:p>
@@ -1108,7 +1108,7 @@
           <a:p>
             <a:fld id="{DF99C35E-6FEB-42E2-8CE3-D1A386C3EB3E}" type="datetimeFigureOut">
               <a:rPr lang="en-US" smtClean="0"/>
-              <a:t>4/20/2023</a:t>
+              <a:t>4/24/2023</a:t>
             </a:fld>
             <a:endParaRPr lang="en-US"/>
           </a:p>
@@ -1306,7 +1306,7 @@
           <a:p>
             <a:fld id="{DF99C35E-6FEB-42E2-8CE3-D1A386C3EB3E}" type="datetimeFigureOut">
               <a:rPr lang="en-US" smtClean="0"/>
-              <a:t>4/20/2023</a:t>
+              <a:t>4/24/2023</a:t>
             </a:fld>
             <a:endParaRPr lang="en-US"/>
           </a:p>
@@ -1581,7 +1581,7 @@
           <a:p>
             <a:fld id="{DF99C35E-6FEB-42E2-8CE3-D1A386C3EB3E}" type="datetimeFigureOut">
               <a:rPr lang="en-US" smtClean="0"/>
-              <a:t>4/20/2023</a:t>
+              <a:t>4/24/2023</a:t>
             </a:fld>
             <a:endParaRPr lang="en-US"/>
           </a:p>
@@ -1846,7 +1846,7 @@
           <a:p>
             <a:fld id="{DF99C35E-6FEB-42E2-8CE3-D1A386C3EB3E}" type="datetimeFigureOut">
               <a:rPr lang="en-US" smtClean="0"/>
-              <a:t>4/20/2023</a:t>
+              <a:t>4/24/2023</a:t>
             </a:fld>
             <a:endParaRPr lang="en-US"/>
           </a:p>
@@ -2258,7 +2258,7 @@
           <a:p>
             <a:fld id="{DF99C35E-6FEB-42E2-8CE3-D1A386C3EB3E}" type="datetimeFigureOut">
               <a:rPr lang="en-US" smtClean="0"/>
-              <a:t>4/20/2023</a:t>
+              <a:t>4/24/2023</a:t>
             </a:fld>
             <a:endParaRPr lang="en-US"/>
           </a:p>
@@ -2399,7 +2399,7 @@
           <a:p>
             <a:fld id="{DF99C35E-6FEB-42E2-8CE3-D1A386C3EB3E}" type="datetimeFigureOut">
               <a:rPr lang="en-US" smtClean="0"/>
-              <a:t>4/20/2023</a:t>
+              <a:t>4/24/2023</a:t>
             </a:fld>
             <a:endParaRPr lang="en-US"/>
           </a:p>
@@ -2512,7 +2512,7 @@
           <a:p>
             <a:fld id="{DF99C35E-6FEB-42E2-8CE3-D1A386C3EB3E}" type="datetimeFigureOut">
               <a:rPr lang="en-US" smtClean="0"/>
-              <a:t>4/20/2023</a:t>
+              <a:t>4/24/2023</a:t>
             </a:fld>
             <a:endParaRPr lang="en-US"/>
           </a:p>
@@ -2823,7 +2823,7 @@
           <a:p>
             <a:fld id="{DF99C35E-6FEB-42E2-8CE3-D1A386C3EB3E}" type="datetimeFigureOut">
               <a:rPr lang="en-US" smtClean="0"/>
-              <a:t>4/20/2023</a:t>
+              <a:t>4/24/2023</a:t>
             </a:fld>
             <a:endParaRPr lang="en-US"/>
           </a:p>
@@ -3111,7 +3111,7 @@
           <a:p>
             <a:fld id="{DF99C35E-6FEB-42E2-8CE3-D1A386C3EB3E}" type="datetimeFigureOut">
               <a:rPr lang="en-US" smtClean="0"/>
-              <a:t>4/20/2023</a:t>
+              <a:t>4/24/2023</a:t>
             </a:fld>
             <a:endParaRPr lang="en-US"/>
           </a:p>
@@ -3352,7 +3352,7 @@
           <a:p>
             <a:fld id="{DF99C35E-6FEB-42E2-8CE3-D1A386C3EB3E}" type="datetimeFigureOut">
               <a:rPr lang="en-US" smtClean="0"/>
-              <a:t>4/20/2023</a:t>
+              <a:t>4/24/2023</a:t>
             </a:fld>
             <a:endParaRPr lang="en-US"/>
           </a:p>
@@ -3842,7 +3842,7 @@
                   <a:srgbClr val="FF0000"/>
                 </a:solidFill>
               </a:rPr>
-              <a:t>  Dataset</a:t>
+              <a:t> Dataset</a:t>
             </a:r>
             <a:br>
               <a:rPr lang="en-US" dirty="0"/>
@@ -4518,7 +4518,7 @@
         </p:blipFill>
         <p:spPr>
           <a:xfrm>
-            <a:off x="6221225" y="3669029"/>
+            <a:off x="6845534" y="3589019"/>
             <a:ext cx="5132575" cy="2722881"/>
           </a:xfrm>
           <a:prstGeom prst="rect">
@@ -4526,6 +4526,202 @@
           </a:prstGeom>
         </p:spPr>
       </p:pic>
+      <p:pic>
+        <p:nvPicPr>
+          <p:cNvPr id="6" name="Picture 5" descr="Company name&#10;&#10;Description automatically generated">
+            <a:extLst>
+              <a:ext uri="{FF2B5EF4-FFF2-40B4-BE49-F238E27FC236}">
+                <a16:creationId xmlns:a16="http://schemas.microsoft.com/office/drawing/2014/main" id="{90EFC463-DA08-79C9-577A-D7B9F22B3D8F}"/>
+              </a:ext>
+            </a:extLst>
+          </p:cNvPr>
+          <p:cNvPicPr>
+            <a:picLocks noChangeAspect="1"/>
+          </p:cNvPicPr>
+          <p:nvPr/>
+        </p:nvPicPr>
+        <p:blipFill>
+          <a:blip r:embed="rId3">
+            <a:extLst>
+              <a:ext uri="{28A0092B-C50C-407E-A947-70E740481C1C}">
+                <a14:useLocalDpi xmlns:a14="http://schemas.microsoft.com/office/drawing/2010/main" val="0"/>
+              </a:ext>
+            </a:extLst>
+          </a:blip>
+          <a:stretch>
+            <a:fillRect/>
+          </a:stretch>
+        </p:blipFill>
+        <p:spPr>
+          <a:xfrm>
+            <a:off x="316761" y="3429000"/>
+            <a:ext cx="2566404" cy="2566404"/>
+          </a:xfrm>
+          <a:prstGeom prst="rect">
+            <a:avLst/>
+          </a:prstGeom>
+        </p:spPr>
+      </p:pic>
+      <p:pic>
+        <p:nvPicPr>
+          <p:cNvPr id="8" name="Picture 7" descr="Shape, company name, arrow&#10;&#10;Description automatically generated">
+            <a:extLst>
+              <a:ext uri="{FF2B5EF4-FFF2-40B4-BE49-F238E27FC236}">
+                <a16:creationId xmlns:a16="http://schemas.microsoft.com/office/drawing/2014/main" id="{9A43188D-2A37-471F-B28E-A3234BA2066C}"/>
+              </a:ext>
+            </a:extLst>
+          </p:cNvPr>
+          <p:cNvPicPr>
+            <a:picLocks noChangeAspect="1"/>
+          </p:cNvPicPr>
+          <p:nvPr/>
+        </p:nvPicPr>
+        <p:blipFill>
+          <a:blip r:embed="rId4">
+            <a:extLst>
+              <a:ext uri="{28A0092B-C50C-407E-A947-70E740481C1C}">
+                <a14:useLocalDpi xmlns:a14="http://schemas.microsoft.com/office/drawing/2010/main" val="0"/>
+              </a:ext>
+            </a:extLst>
+          </a:blip>
+          <a:stretch>
+            <a:fillRect/>
+          </a:stretch>
+        </p:blipFill>
+        <p:spPr>
+          <a:xfrm>
+            <a:off x="3299832" y="3429000"/>
+            <a:ext cx="3129034" cy="2722881"/>
+          </a:xfrm>
+          <a:prstGeom prst="rect">
+            <a:avLst/>
+          </a:prstGeom>
+        </p:spPr>
+      </p:pic>
+      <p:sp>
+        <p:nvSpPr>
+          <p:cNvPr id="9" name="TextBox 8">
+            <a:extLst>
+              <a:ext uri="{FF2B5EF4-FFF2-40B4-BE49-F238E27FC236}">
+                <a16:creationId xmlns:a16="http://schemas.microsoft.com/office/drawing/2014/main" id="{A53C4804-D63A-4D5E-8AF1-AEEFBF25ABDD}"/>
+              </a:ext>
+            </a:extLst>
+          </p:cNvPr>
+          <p:cNvSpPr txBox="1"/>
+          <p:nvPr/>
+        </p:nvSpPr>
+        <p:spPr>
+          <a:xfrm>
+            <a:off x="400936" y="6035243"/>
+            <a:ext cx="2223436" cy="646331"/>
+          </a:xfrm>
+          <a:prstGeom prst="rect">
+            <a:avLst/>
+          </a:prstGeom>
+          <a:noFill/>
+        </p:spPr>
+        <p:txBody>
+          <a:bodyPr wrap="square" rtlCol="0">
+            <a:spAutoFit/>
+          </a:bodyPr>
+          <a:lstStyle/>
+          <a:p>
+            <a:pPr algn="ctr"/>
+            <a:r>
+              <a:rPr lang="en-US" dirty="0"/>
+              <a:t>User-Independent </a:t>
+            </a:r>
+            <a:r>
+              <a:rPr lang="en-US" dirty="0" err="1"/>
+              <a:t>GHoST</a:t>
+            </a:r>
+            <a:r>
+              <a:rPr lang="en-US" dirty="0"/>
+              <a:t> Analysis</a:t>
+            </a:r>
+          </a:p>
+        </p:txBody>
+      </p:sp>
+      <p:sp>
+        <p:nvSpPr>
+          <p:cNvPr id="10" name="TextBox 9">
+            <a:extLst>
+              <a:ext uri="{FF2B5EF4-FFF2-40B4-BE49-F238E27FC236}">
+                <a16:creationId xmlns:a16="http://schemas.microsoft.com/office/drawing/2014/main" id="{E01837EB-D18A-1079-6753-133FAFA42B43}"/>
+              </a:ext>
+            </a:extLst>
+          </p:cNvPr>
+          <p:cNvSpPr txBox="1"/>
+          <p:nvPr/>
+        </p:nvSpPr>
+        <p:spPr>
+          <a:xfrm>
+            <a:off x="3752630" y="6103647"/>
+            <a:ext cx="2343369" cy="646331"/>
+          </a:xfrm>
+          <a:prstGeom prst="rect">
+            <a:avLst/>
+          </a:prstGeom>
+          <a:noFill/>
+        </p:spPr>
+        <p:txBody>
+          <a:bodyPr wrap="square" rtlCol="0">
+            <a:spAutoFit/>
+          </a:bodyPr>
+          <a:lstStyle/>
+          <a:p>
+            <a:pPr algn="ctr"/>
+            <a:r>
+              <a:rPr lang="en-US" dirty="0"/>
+              <a:t>User-Dependent </a:t>
+            </a:r>
+            <a:r>
+              <a:rPr lang="en-US" dirty="0" err="1"/>
+              <a:t>GHoST</a:t>
+            </a:r>
+            <a:r>
+              <a:rPr lang="en-US" dirty="0"/>
+              <a:t> Analysis (user1)</a:t>
+            </a:r>
+          </a:p>
+        </p:txBody>
+      </p:sp>
+      <p:sp>
+        <p:nvSpPr>
+          <p:cNvPr id="11" name="TextBox 10">
+            <a:extLst>
+              <a:ext uri="{FF2B5EF4-FFF2-40B4-BE49-F238E27FC236}">
+                <a16:creationId xmlns:a16="http://schemas.microsoft.com/office/drawing/2014/main" id="{52F070B4-A579-960D-0AED-23A9DCF4F5BD}"/>
+              </a:ext>
+            </a:extLst>
+          </p:cNvPr>
+          <p:cNvSpPr txBox="1"/>
+          <p:nvPr/>
+        </p:nvSpPr>
+        <p:spPr>
+          <a:xfrm>
+            <a:off x="7671335" y="6103646"/>
+            <a:ext cx="3320715" cy="646331"/>
+          </a:xfrm>
+          <a:prstGeom prst="rect">
+            <a:avLst/>
+          </a:prstGeom>
+          <a:noFill/>
+        </p:spPr>
+        <p:txBody>
+          <a:bodyPr wrap="square" rtlCol="0">
+            <a:spAutoFit/>
+          </a:bodyPr>
+          <a:lstStyle/>
+          <a:p>
+            <a:pPr algn="ctr"/>
+            <a:r>
+              <a:rPr lang="en-US" dirty="0"/>
+              <a:t>Accuracy By Iteration over Algorithms and Datasets</a:t>
+            </a:r>
+          </a:p>
+        </p:txBody>
+      </p:sp>
     </p:spTree>
     <p:extLst>
       <p:ext uri="{BB962C8B-B14F-4D97-AF65-F5344CB8AC3E}">

--- a/HCIRA-Proj2-demo-template.pptx
+++ b/HCIRA-Proj2-demo-template.pptx
@@ -546,6 +546,174 @@
     <p:extLst>
       <p:ext uri="{BB962C8B-B14F-4D97-AF65-F5344CB8AC3E}">
         <p14:creationId xmlns:p14="http://schemas.microsoft.com/office/powerpoint/2010/main" val="3090010266"/>
+      </p:ext>
+    </p:extLst>
+  </p:cSld>
+  <p:clrMapOvr>
+    <a:masterClrMapping/>
+  </p:clrMapOvr>
+</p:notes>
+</file>
+
+<file path=ppt/notesSlides/notesSlide2.xml><?xml version="1.0" encoding="utf-8"?>
+<p:notes xmlns:a="http://schemas.openxmlformats.org/drawingml/2006/main" xmlns:r="http://schemas.openxmlformats.org/officeDocument/2006/relationships" xmlns:p="http://schemas.openxmlformats.org/presentationml/2006/main">
+  <p:cSld>
+    <p:spTree>
+      <p:nvGrpSpPr>
+        <p:cNvPr id="1" name=""/>
+        <p:cNvGrpSpPr/>
+        <p:nvPr/>
+      </p:nvGrpSpPr>
+      <p:grpSpPr>
+        <a:xfrm>
+          <a:off x="0" y="0"/>
+          <a:ext cx="0" cy="0"/>
+          <a:chOff x="0" y="0"/>
+          <a:chExt cx="0" cy="0"/>
+        </a:xfrm>
+      </p:grpSpPr>
+      <p:sp>
+        <p:nvSpPr>
+          <p:cNvPr id="2" name="Slide Image Placeholder 1"/>
+          <p:cNvSpPr>
+            <a:spLocks noGrp="1" noRot="1" noChangeAspect="1"/>
+          </p:cNvSpPr>
+          <p:nvPr>
+            <p:ph type="sldImg"/>
+          </p:nvPr>
+        </p:nvSpPr>
+        <p:spPr/>
+      </p:sp>
+      <p:sp>
+        <p:nvSpPr>
+          <p:cNvPr id="3" name="Notes Placeholder 2"/>
+          <p:cNvSpPr>
+            <a:spLocks noGrp="1"/>
+          </p:cNvSpPr>
+          <p:nvPr>
+            <p:ph type="body" idx="1"/>
+          </p:nvPr>
+        </p:nvSpPr>
+        <p:spPr/>
+        <p:txBody>
+          <a:bodyPr/>
+          <a:lstStyle/>
+          <a:p>
+            <a:endParaRPr lang="en-US" dirty="0"/>
+          </a:p>
+        </p:txBody>
+      </p:sp>
+      <p:sp>
+        <p:nvSpPr>
+          <p:cNvPr id="4" name="Slide Number Placeholder 3"/>
+          <p:cNvSpPr>
+            <a:spLocks noGrp="1"/>
+          </p:cNvSpPr>
+          <p:nvPr>
+            <p:ph type="sldNum" sz="quarter" idx="5"/>
+          </p:nvPr>
+        </p:nvSpPr>
+        <p:spPr/>
+        <p:txBody>
+          <a:bodyPr/>
+          <a:lstStyle/>
+          <a:p>
+            <a:fld id="{ABF2D629-867A-4C68-B5D8-1246D140A9D0}" type="slidenum">
+              <a:rPr lang="en-US" smtClean="0"/>
+              <a:t>4</a:t>
+            </a:fld>
+            <a:endParaRPr lang="en-US"/>
+          </a:p>
+        </p:txBody>
+      </p:sp>
+    </p:spTree>
+    <p:extLst>
+      <p:ext uri="{BB962C8B-B14F-4D97-AF65-F5344CB8AC3E}">
+        <p14:creationId xmlns:p14="http://schemas.microsoft.com/office/powerpoint/2010/main" val="513838104"/>
+      </p:ext>
+    </p:extLst>
+  </p:cSld>
+  <p:clrMapOvr>
+    <a:masterClrMapping/>
+  </p:clrMapOvr>
+</p:notes>
+</file>
+
+<file path=ppt/notesSlides/notesSlide3.xml><?xml version="1.0" encoding="utf-8"?>
+<p:notes xmlns:a="http://schemas.openxmlformats.org/drawingml/2006/main" xmlns:r="http://schemas.openxmlformats.org/officeDocument/2006/relationships" xmlns:p="http://schemas.openxmlformats.org/presentationml/2006/main">
+  <p:cSld>
+    <p:spTree>
+      <p:nvGrpSpPr>
+        <p:cNvPr id="1" name=""/>
+        <p:cNvGrpSpPr/>
+        <p:nvPr/>
+      </p:nvGrpSpPr>
+      <p:grpSpPr>
+        <a:xfrm>
+          <a:off x="0" y="0"/>
+          <a:ext cx="0" cy="0"/>
+          <a:chOff x="0" y="0"/>
+          <a:chExt cx="0" cy="0"/>
+        </a:xfrm>
+      </p:grpSpPr>
+      <p:sp>
+        <p:nvSpPr>
+          <p:cNvPr id="2" name="Slide Image Placeholder 1"/>
+          <p:cNvSpPr>
+            <a:spLocks noGrp="1" noRot="1" noChangeAspect="1"/>
+          </p:cNvSpPr>
+          <p:nvPr>
+            <p:ph type="sldImg"/>
+          </p:nvPr>
+        </p:nvSpPr>
+        <p:spPr/>
+      </p:sp>
+      <p:sp>
+        <p:nvSpPr>
+          <p:cNvPr id="3" name="Notes Placeholder 2"/>
+          <p:cNvSpPr>
+            <a:spLocks noGrp="1"/>
+          </p:cNvSpPr>
+          <p:nvPr>
+            <p:ph type="body" idx="1"/>
+          </p:nvPr>
+        </p:nvSpPr>
+        <p:spPr/>
+        <p:txBody>
+          <a:bodyPr/>
+          <a:lstStyle/>
+          <a:p>
+            <a:endParaRPr lang="en-US" dirty="0"/>
+          </a:p>
+        </p:txBody>
+      </p:sp>
+      <p:sp>
+        <p:nvSpPr>
+          <p:cNvPr id="4" name="Slide Number Placeholder 3"/>
+          <p:cNvSpPr>
+            <a:spLocks noGrp="1"/>
+          </p:cNvSpPr>
+          <p:nvPr>
+            <p:ph type="sldNum" sz="quarter" idx="5"/>
+          </p:nvPr>
+        </p:nvSpPr>
+        <p:spPr/>
+        <p:txBody>
+          <a:bodyPr/>
+          <a:lstStyle/>
+          <a:p>
+            <a:fld id="{ABF2D629-867A-4C68-B5D8-1246D140A9D0}" type="slidenum">
+              <a:rPr lang="en-US" smtClean="0"/>
+              <a:t>5</a:t>
+            </a:fld>
+            <a:endParaRPr lang="en-US"/>
+          </a:p>
+        </p:txBody>
+      </p:sp>
+    </p:spTree>
+    <p:extLst>
+      <p:ext uri="{BB962C8B-B14F-4D97-AF65-F5344CB8AC3E}">
+        <p14:creationId xmlns:p14="http://schemas.microsoft.com/office/powerpoint/2010/main" val="1201722275"/>
       </p:ext>
     </p:extLst>
   </p:cSld>
@@ -4303,7 +4471,7 @@
         </p:nvSpPr>
         <p:spPr>
           <a:xfrm>
-            <a:off x="6957932" y="5167312"/>
+            <a:off x="7554868" y="3059668"/>
             <a:ext cx="3970382" cy="369332"/>
           </a:xfrm>
           <a:prstGeom prst="rect">
@@ -4343,7 +4511,7 @@
           <p:nvPr/>
         </p:nvPicPr>
         <p:blipFill>
-          <a:blip r:embed="rId2">
+          <a:blip r:embed="rId3">
             <a:extLst>
               <a:ext uri="{28A0092B-C50C-407E-A947-70E740481C1C}">
                 <a14:useLocalDpi xmlns:a14="http://schemas.microsoft.com/office/drawing/2010/main" val="0"/>
@@ -4379,7 +4547,7 @@
           <p:nvPr/>
         </p:nvPicPr>
         <p:blipFill>
-          <a:blip r:embed="rId3">
+          <a:blip r:embed="rId4">
             <a:extLst>
               <a:ext uri="{28A0092B-C50C-407E-A947-70E740481C1C}">
                 <a14:useLocalDpi xmlns:a14="http://schemas.microsoft.com/office/drawing/2010/main" val="0"/>
@@ -4392,14 +4560,90 @@
         </p:blipFill>
         <p:spPr>
           <a:xfrm>
-            <a:off x="5744284" y="1690688"/>
-            <a:ext cx="6191728" cy="3435846"/>
+            <a:off x="6541433" y="149826"/>
+            <a:ext cx="5161139" cy="2863963"/>
           </a:xfrm>
           <a:prstGeom prst="rect">
             <a:avLst/>
           </a:prstGeom>
         </p:spPr>
       </p:pic>
+      <p:pic>
+        <p:nvPicPr>
+          <p:cNvPr id="3" name="Picture 2" descr="Chart, line chart&#10;&#10;Description automatically generated">
+            <a:extLst>
+              <a:ext uri="{FF2B5EF4-FFF2-40B4-BE49-F238E27FC236}">
+                <a16:creationId xmlns:a16="http://schemas.microsoft.com/office/drawing/2014/main" id="{FDA2CB40-860C-6593-B262-CDB4A685CB18}"/>
+              </a:ext>
+            </a:extLst>
+          </p:cNvPr>
+          <p:cNvPicPr>
+            <a:picLocks noChangeAspect="1"/>
+          </p:cNvPicPr>
+          <p:nvPr/>
+        </p:nvPicPr>
+        <p:blipFill>
+          <a:blip r:embed="rId5">
+            <a:extLst>
+              <a:ext uri="{28A0092B-C50C-407E-A947-70E740481C1C}">
+                <a14:useLocalDpi xmlns:a14="http://schemas.microsoft.com/office/drawing/2010/main" val="0"/>
+              </a:ext>
+            </a:extLst>
+          </a:blip>
+          <a:stretch>
+            <a:fillRect/>
+          </a:stretch>
+        </p:blipFill>
+        <p:spPr>
+          <a:xfrm>
+            <a:off x="6433811" y="3353281"/>
+            <a:ext cx="5376385" cy="2852224"/>
+          </a:xfrm>
+          <a:prstGeom prst="rect">
+            <a:avLst/>
+          </a:prstGeom>
+        </p:spPr>
+      </p:pic>
+      <p:sp>
+        <p:nvSpPr>
+          <p:cNvPr id="4" name="TextBox 3">
+            <a:extLst>
+              <a:ext uri="{FF2B5EF4-FFF2-40B4-BE49-F238E27FC236}">
+                <a16:creationId xmlns:a16="http://schemas.microsoft.com/office/drawing/2014/main" id="{4A173C71-A119-E315-EC37-529F6C3D2F3B}"/>
+              </a:ext>
+            </a:extLst>
+          </p:cNvPr>
+          <p:cNvSpPr txBox="1"/>
+          <p:nvPr/>
+        </p:nvSpPr>
+        <p:spPr>
+          <a:xfrm>
+            <a:off x="7991948" y="6169709"/>
+            <a:ext cx="3533302" cy="646331"/>
+          </a:xfrm>
+          <a:prstGeom prst="rect">
+            <a:avLst/>
+          </a:prstGeom>
+          <a:noFill/>
+        </p:spPr>
+        <p:txBody>
+          <a:bodyPr wrap="square" rtlCol="0">
+            <a:spAutoFit/>
+          </a:bodyPr>
+          <a:lstStyle/>
+          <a:p>
+            <a:pPr algn="ctr"/>
+            <a:r>
+              <a:rPr lang="en-US" b="1" i="1" dirty="0">
+                <a:solidFill>
+                  <a:srgbClr val="FF0000"/>
+                </a:solidFill>
+              </a:rPr>
+              <a:t>Accuracy By Iteration over Algorithms and Datasets</a:t>
+            </a:r>
+          </a:p>
+        </p:txBody>
+      </p:sp>
     </p:spTree>
     <p:extLst>
       <p:ext uri="{BB962C8B-B14F-4D97-AF65-F5344CB8AC3E}">
@@ -4446,7 +4690,12 @@
             <p:ph type="title"/>
           </p:nvPr>
         </p:nvSpPr>
-        <p:spPr/>
+        <p:spPr>
+          <a:xfrm>
+            <a:off x="174057" y="1"/>
+            <a:ext cx="10515600" cy="1325563"/>
+          </a:xfrm>
+        </p:spPr>
         <p:txBody>
           <a:bodyPr/>
           <a:lstStyle/>
@@ -4460,42 +4709,98 @@
       </p:sp>
       <p:sp>
         <p:nvSpPr>
-          <p:cNvPr id="3" name="Content Placeholder 2">
-            <a:extLst>
-              <a:ext uri="{FF2B5EF4-FFF2-40B4-BE49-F238E27FC236}">
-                <a16:creationId xmlns:a16="http://schemas.microsoft.com/office/drawing/2014/main" id="{81F58048-D6AA-48BD-A806-9FA7DA177850}"/>
-              </a:ext>
-            </a:extLst>
-          </p:cNvPr>
-          <p:cNvSpPr>
-            <a:spLocks noGrp="1"/>
-          </p:cNvSpPr>
-          <p:nvPr>
-            <p:ph idx="1"/>
-          </p:nvPr>
-        </p:nvSpPr>
-        <p:spPr/>
-        <p:txBody>
-          <a:bodyPr/>
-          <a:lstStyle/>
-          <a:p>
-            <a:r>
-              <a:rPr lang="en-US" dirty="0">
-                <a:solidFill>
-                  <a:srgbClr val="FF0000"/>
-                </a:solidFill>
-              </a:rPr>
-              <a:t>[insert graphs, figures, or images of any other analyses performed (e.g., such as a heatmap image from GHOST) on your own data, and mention your insight(s) and how they might explain or be related to your recognition results on the previous slide, or say ‘not applicable’]</a:t>
+          <p:cNvPr id="9" name="TextBox 8">
+            <a:extLst>
+              <a:ext uri="{FF2B5EF4-FFF2-40B4-BE49-F238E27FC236}">
+                <a16:creationId xmlns:a16="http://schemas.microsoft.com/office/drawing/2014/main" id="{A53C4804-D63A-4D5E-8AF1-AEEFBF25ABDD}"/>
+              </a:ext>
+            </a:extLst>
+          </p:cNvPr>
+          <p:cNvSpPr txBox="1"/>
+          <p:nvPr/>
+        </p:nvSpPr>
+        <p:spPr>
+          <a:xfrm>
+            <a:off x="2028676" y="5816532"/>
+            <a:ext cx="2223436" cy="646331"/>
+          </a:xfrm>
+          <a:prstGeom prst="rect">
+            <a:avLst/>
+          </a:prstGeom>
+          <a:noFill/>
+        </p:spPr>
+        <p:txBody>
+          <a:bodyPr wrap="square" rtlCol="0">
+            <a:spAutoFit/>
+          </a:bodyPr>
+          <a:lstStyle/>
+          <a:p>
+            <a:pPr algn="ctr"/>
+            <a:r>
+              <a:rPr lang="en-US" dirty="0"/>
+              <a:t>User-Independent </a:t>
+            </a:r>
+            <a:r>
+              <a:rPr lang="en-US" dirty="0" err="1"/>
+              <a:t>GHoST</a:t>
+            </a:r>
+            <a:r>
+              <a:rPr lang="en-US" dirty="0"/>
+              <a:t> Analysis</a:t>
+            </a:r>
+          </a:p>
+        </p:txBody>
+      </p:sp>
+      <p:sp>
+        <p:nvSpPr>
+          <p:cNvPr id="10" name="TextBox 9">
+            <a:extLst>
+              <a:ext uri="{FF2B5EF4-FFF2-40B4-BE49-F238E27FC236}">
+                <a16:creationId xmlns:a16="http://schemas.microsoft.com/office/drawing/2014/main" id="{E01837EB-D18A-1079-6753-133FAFA42B43}"/>
+              </a:ext>
+            </a:extLst>
+          </p:cNvPr>
+          <p:cNvSpPr txBox="1"/>
+          <p:nvPr/>
+        </p:nvSpPr>
+        <p:spPr>
+          <a:xfrm>
+            <a:off x="8174394" y="5897560"/>
+            <a:ext cx="2343369" cy="646331"/>
+          </a:xfrm>
+          <a:prstGeom prst="rect">
+            <a:avLst/>
+          </a:prstGeom>
+          <a:noFill/>
+        </p:spPr>
+        <p:txBody>
+          <a:bodyPr wrap="square" rtlCol="0">
+            <a:spAutoFit/>
+          </a:bodyPr>
+          <a:lstStyle/>
+          <a:p>
+            <a:pPr algn="ctr"/>
+            <a:r>
+              <a:rPr lang="en-US" dirty="0"/>
+              <a:t>User-Dependent </a:t>
+            </a:r>
+            <a:r>
+              <a:rPr lang="en-US" dirty="0" err="1"/>
+              <a:t>GHoST</a:t>
+            </a:r>
+            <a:r>
+              <a:rPr lang="en-US" dirty="0"/>
+              <a:t> Analysis (user1)</a:t>
             </a:r>
           </a:p>
         </p:txBody>
       </p:sp>
       <p:pic>
         <p:nvPicPr>
-          <p:cNvPr id="5" name="Picture 4" descr="Chart, line chart&#10;&#10;Description automatically generated">
-            <a:extLst>
-              <a:ext uri="{FF2B5EF4-FFF2-40B4-BE49-F238E27FC236}">
-                <a16:creationId xmlns:a16="http://schemas.microsoft.com/office/drawing/2014/main" id="{9D5E1ECD-9DC5-D56C-F268-42310F002C29}"/>
+          <p:cNvPr id="13" name="Picture 12" descr="A picture containing graphical user interface&#10;&#10;Description automatically generated">
+            <a:extLst>
+              <a:ext uri="{FF2B5EF4-FFF2-40B4-BE49-F238E27FC236}">
+                <a16:creationId xmlns:a16="http://schemas.microsoft.com/office/drawing/2014/main" id="{CA7FAF8F-0BEC-2ED3-83D6-246DE26ED151}"/>
               </a:ext>
             </a:extLst>
           </p:cNvPr>
@@ -4505,7 +4810,7 @@
           <p:nvPr/>
         </p:nvPicPr>
         <p:blipFill>
-          <a:blip r:embed="rId2">
+          <a:blip r:embed="rId3">
             <a:extLst>
               <a:ext uri="{28A0092B-C50C-407E-A947-70E740481C1C}">
                 <a14:useLocalDpi xmlns:a14="http://schemas.microsoft.com/office/drawing/2010/main" val="0"/>
@@ -4518,8 +4823,8 @@
         </p:blipFill>
         <p:spPr>
           <a:xfrm>
-            <a:off x="6845534" y="3589019"/>
-            <a:ext cx="5132575" cy="2722881"/>
+            <a:off x="590251" y="885365"/>
+            <a:ext cx="4876897" cy="4759852"/>
           </a:xfrm>
           <a:prstGeom prst="rect">
             <a:avLst/>
@@ -4528,10 +4833,10 @@
       </p:pic>
       <p:pic>
         <p:nvPicPr>
-          <p:cNvPr id="6" name="Picture 5" descr="Company name&#10;&#10;Description automatically generated">
-            <a:extLst>
-              <a:ext uri="{FF2B5EF4-FFF2-40B4-BE49-F238E27FC236}">
-                <a16:creationId xmlns:a16="http://schemas.microsoft.com/office/drawing/2014/main" id="{90EFC463-DA08-79C9-577A-D7B9F22B3D8F}"/>
+          <p:cNvPr id="15" name="Picture 14" descr="Diagram, arrow&#10;&#10;Description automatically generated">
+            <a:extLst>
+              <a:ext uri="{FF2B5EF4-FFF2-40B4-BE49-F238E27FC236}">
+                <a16:creationId xmlns:a16="http://schemas.microsoft.com/office/drawing/2014/main" id="{7AA3D9DC-1C16-24CB-49DF-FA9158842B1D}"/>
               </a:ext>
             </a:extLst>
           </p:cNvPr>
@@ -4541,7 +4846,7 @@
           <p:nvPr/>
         </p:nvPicPr>
         <p:blipFill>
-          <a:blip r:embed="rId3">
+          <a:blip r:embed="rId4">
             <a:extLst>
               <a:ext uri="{28A0092B-C50C-407E-A947-70E740481C1C}">
                 <a14:useLocalDpi xmlns:a14="http://schemas.microsoft.com/office/drawing/2010/main" val="0"/>
@@ -4554,174 +4859,14 @@
         </p:blipFill>
         <p:spPr>
           <a:xfrm>
-            <a:off x="316761" y="3429000"/>
-            <a:ext cx="2566404" cy="2566404"/>
+            <a:off x="6394285" y="730249"/>
+            <a:ext cx="5294376" cy="5167311"/>
           </a:xfrm>
           <a:prstGeom prst="rect">
             <a:avLst/>
           </a:prstGeom>
         </p:spPr>
       </p:pic>
-      <p:pic>
-        <p:nvPicPr>
-          <p:cNvPr id="8" name="Picture 7" descr="Shape, company name, arrow&#10;&#10;Description automatically generated">
-            <a:extLst>
-              <a:ext uri="{FF2B5EF4-FFF2-40B4-BE49-F238E27FC236}">
-                <a16:creationId xmlns:a16="http://schemas.microsoft.com/office/drawing/2014/main" id="{9A43188D-2A37-471F-B28E-A3234BA2066C}"/>
-              </a:ext>
-            </a:extLst>
-          </p:cNvPr>
-          <p:cNvPicPr>
-            <a:picLocks noChangeAspect="1"/>
-          </p:cNvPicPr>
-          <p:nvPr/>
-        </p:nvPicPr>
-        <p:blipFill>
-          <a:blip r:embed="rId4">
-            <a:extLst>
-              <a:ext uri="{28A0092B-C50C-407E-A947-70E740481C1C}">
-                <a14:useLocalDpi xmlns:a14="http://schemas.microsoft.com/office/drawing/2010/main" val="0"/>
-              </a:ext>
-            </a:extLst>
-          </a:blip>
-          <a:stretch>
-            <a:fillRect/>
-          </a:stretch>
-        </p:blipFill>
-        <p:spPr>
-          <a:xfrm>
-            <a:off x="3299832" y="3429000"/>
-            <a:ext cx="3129034" cy="2722881"/>
-          </a:xfrm>
-          <a:prstGeom prst="rect">
-            <a:avLst/>
-          </a:prstGeom>
-        </p:spPr>
-      </p:pic>
-      <p:sp>
-        <p:nvSpPr>
-          <p:cNvPr id="9" name="TextBox 8">
-            <a:extLst>
-              <a:ext uri="{FF2B5EF4-FFF2-40B4-BE49-F238E27FC236}">
-                <a16:creationId xmlns:a16="http://schemas.microsoft.com/office/drawing/2014/main" id="{A53C4804-D63A-4D5E-8AF1-AEEFBF25ABDD}"/>
-              </a:ext>
-            </a:extLst>
-          </p:cNvPr>
-          <p:cNvSpPr txBox="1"/>
-          <p:nvPr/>
-        </p:nvSpPr>
-        <p:spPr>
-          <a:xfrm>
-            <a:off x="400936" y="6035243"/>
-            <a:ext cx="2223436" cy="646331"/>
-          </a:xfrm>
-          <a:prstGeom prst="rect">
-            <a:avLst/>
-          </a:prstGeom>
-          <a:noFill/>
-        </p:spPr>
-        <p:txBody>
-          <a:bodyPr wrap="square" rtlCol="0">
-            <a:spAutoFit/>
-          </a:bodyPr>
-          <a:lstStyle/>
-          <a:p>
-            <a:pPr algn="ctr"/>
-            <a:r>
-              <a:rPr lang="en-US" dirty="0"/>
-              <a:t>User-Independent </a:t>
-            </a:r>
-            <a:r>
-              <a:rPr lang="en-US" dirty="0" err="1"/>
-              <a:t>GHoST</a:t>
-            </a:r>
-            <a:r>
-              <a:rPr lang="en-US" dirty="0"/>
-              <a:t> Analysis</a:t>
-            </a:r>
-          </a:p>
-        </p:txBody>
-      </p:sp>
-      <p:sp>
-        <p:nvSpPr>
-          <p:cNvPr id="10" name="TextBox 9">
-            <a:extLst>
-              <a:ext uri="{FF2B5EF4-FFF2-40B4-BE49-F238E27FC236}">
-                <a16:creationId xmlns:a16="http://schemas.microsoft.com/office/drawing/2014/main" id="{E01837EB-D18A-1079-6753-133FAFA42B43}"/>
-              </a:ext>
-            </a:extLst>
-          </p:cNvPr>
-          <p:cNvSpPr txBox="1"/>
-          <p:nvPr/>
-        </p:nvSpPr>
-        <p:spPr>
-          <a:xfrm>
-            <a:off x="3752630" y="6103647"/>
-            <a:ext cx="2343369" cy="646331"/>
-          </a:xfrm>
-          <a:prstGeom prst="rect">
-            <a:avLst/>
-          </a:prstGeom>
-          <a:noFill/>
-        </p:spPr>
-        <p:txBody>
-          <a:bodyPr wrap="square" rtlCol="0">
-            <a:spAutoFit/>
-          </a:bodyPr>
-          <a:lstStyle/>
-          <a:p>
-            <a:pPr algn="ctr"/>
-            <a:r>
-              <a:rPr lang="en-US" dirty="0"/>
-              <a:t>User-Dependent </a:t>
-            </a:r>
-            <a:r>
-              <a:rPr lang="en-US" dirty="0" err="1"/>
-              <a:t>GHoST</a:t>
-            </a:r>
-            <a:r>
-              <a:rPr lang="en-US" dirty="0"/>
-              <a:t> Analysis (user1)</a:t>
-            </a:r>
-          </a:p>
-        </p:txBody>
-      </p:sp>
-      <p:sp>
-        <p:nvSpPr>
-          <p:cNvPr id="11" name="TextBox 10">
-            <a:extLst>
-              <a:ext uri="{FF2B5EF4-FFF2-40B4-BE49-F238E27FC236}">
-                <a16:creationId xmlns:a16="http://schemas.microsoft.com/office/drawing/2014/main" id="{52F070B4-A579-960D-0AED-23A9DCF4F5BD}"/>
-              </a:ext>
-            </a:extLst>
-          </p:cNvPr>
-          <p:cNvSpPr txBox="1"/>
-          <p:nvPr/>
-        </p:nvSpPr>
-        <p:spPr>
-          <a:xfrm>
-            <a:off x="7671335" y="6103646"/>
-            <a:ext cx="3320715" cy="646331"/>
-          </a:xfrm>
-          <a:prstGeom prst="rect">
-            <a:avLst/>
-          </a:prstGeom>
-          <a:noFill/>
-        </p:spPr>
-        <p:txBody>
-          <a:bodyPr wrap="square" rtlCol="0">
-            <a:spAutoFit/>
-          </a:bodyPr>
-          <a:lstStyle/>
-          <a:p>
-            <a:pPr algn="ctr"/>
-            <a:r>
-              <a:rPr lang="en-US" dirty="0"/>
-              <a:t>Accuracy By Iteration over Algorithms and Datasets</a:t>
-            </a:r>
-          </a:p>
-        </p:txBody>
-      </p:sp>
     </p:spTree>
     <p:extLst>
       <p:ext uri="{BB962C8B-B14F-4D97-AF65-F5344CB8AC3E}">
@@ -4807,7 +4952,65 @@
                   <a:srgbClr val="FF0000"/>
                 </a:solidFill>
               </a:rPr>
-              <a:t>[2-3 bullet points describing your implementation process, challenges you faced on any part of the project, and how you solved them]</a:t>
+              <a:t>Most of the code for preprocessing the gesture points was similar to the  $1 algorithm, which we were able to reuse.</a:t>
+            </a:r>
+          </a:p>
+          <a:p>
+            <a:r>
+              <a:rPr lang="en-US" dirty="0">
+                <a:solidFill>
+                  <a:srgbClr val="FF0000"/>
+                </a:solidFill>
+              </a:rPr>
+              <a:t>Specifically for the $P </a:t>
+            </a:r>
+            <a:r>
+              <a:rPr lang="en-US" dirty="0" err="1">
+                <a:solidFill>
+                  <a:srgbClr val="FF0000"/>
+                </a:solidFill>
+              </a:rPr>
+              <a:t>multistroke</a:t>
+            </a:r>
+            <a:r>
+              <a:rPr lang="en-US" dirty="0">
+                <a:solidFill>
+                  <a:srgbClr val="FF0000"/>
+                </a:solidFill>
+              </a:rPr>
+              <a:t> dataset, .xml files had data points for each stroke in a separate tag. We had to modify the class we had used for </a:t>
+            </a:r>
+            <a:r>
+              <a:rPr lang="en-US" dirty="0" err="1">
+                <a:solidFill>
+                  <a:srgbClr val="FF0000"/>
+                </a:solidFill>
+              </a:rPr>
+              <a:t>unistroke</a:t>
+            </a:r>
+            <a:r>
+              <a:rPr lang="en-US" dirty="0">
+                <a:solidFill>
+                  <a:srgbClr val="FF0000"/>
+                </a:solidFill>
+              </a:rPr>
+              <a:t> gestures to also store the stroke id contained in the </a:t>
+            </a:r>
+            <a:r>
+              <a:rPr lang="en-US" dirty="0" err="1">
+                <a:solidFill>
+                  <a:srgbClr val="FF0000"/>
+                </a:solidFill>
+              </a:rPr>
+              <a:t>multistroke</a:t>
+            </a:r>
+            <a:r>
+              <a:rPr lang="en-US" dirty="0">
+                <a:solidFill>
+                  <a:srgbClr val="FF0000"/>
+                </a:solidFill>
+              </a:rPr>
+              <a:t> dataset.</a:t>
             </a:r>
           </a:p>
         </p:txBody>
@@ -4939,21 +5142,8 @@
                   <a:srgbClr val="FF0000"/>
                 </a:solidFill>
               </a:rPr>
-              <a:t>, which is pleasantly surprising because this implies that $P is more accurate and more robust than $1, making $P a strictly better algorithm</a:t>
-            </a:r>
-            <a:r>
-              <a:rPr lang="en-US">
-                <a:solidFill>
-                  <a:srgbClr val="FF0000"/>
-                </a:solidFill>
-              </a:rPr>
-              <a:t>, performance-wise.</a:t>
-            </a:r>
-            <a:endParaRPr lang="en-US" dirty="0">
-              <a:solidFill>
-                <a:srgbClr val="FF0000"/>
-              </a:solidFill>
-            </a:endParaRPr>
+              <a:t>, which is pleasantly surprising because this implies that $P is more accurate and more robust than $1, making $P a strictly better algorithm, performance-wise.</a:t>
+            </a:r>
           </a:p>
         </p:txBody>
       </p:sp>
